--- a/Презента_Курсовая.pptx
+++ b/Презента_Курсовая.pptx
@@ -14,6 +14,7 @@
     <p:sldId id="269" r:id="rId8"/>
     <p:sldId id="271" r:id="rId9"/>
     <p:sldId id="266" r:id="rId10"/>
+    <p:sldId id="275" r:id="rId11"/>
   </p:sldIdLst>
   <p:sldSz cx="12192000" cy="6858000"/>
   <p:notesSz cx="6858000" cy="9144000"/>
@@ -146,6 +147,7 @@
         <p14:section name="Преимущества, или почему игрок должен играть именно в вашу игру" id="{7C4212EB-08FD-4478-9E80-7A2CB61A792A}">
           <p14:sldIdLst>
             <p14:sldId id="266"/>
+            <p14:sldId id="275"/>
           </p14:sldIdLst>
         </p14:section>
       </p14:sectionLst>
@@ -328,7 +330,7 @@
             <a:fld id="{1E6874EE-89FB-4A85-98EA-B41E4DB710D4}" type="datetimeFigureOut">
               <a:rPr lang="ru-RU" smtClean="0"/>
               <a:pPr/>
-              <a:t>08.07.2020</a:t>
+              <a:t>13.07.2020</a:t>
             </a:fld>
             <a:endParaRPr lang="ru-RU"/>
           </a:p>
@@ -528,7 +530,7 @@
             <a:fld id="{1E6874EE-89FB-4A85-98EA-B41E4DB710D4}" type="datetimeFigureOut">
               <a:rPr lang="ru-RU" smtClean="0"/>
               <a:pPr/>
-              <a:t>08.07.2020</a:t>
+              <a:t>13.07.2020</a:t>
             </a:fld>
             <a:endParaRPr lang="ru-RU"/>
           </a:p>
@@ -738,7 +740,7 @@
             <a:fld id="{1E6874EE-89FB-4A85-98EA-B41E4DB710D4}" type="datetimeFigureOut">
               <a:rPr lang="ru-RU" smtClean="0"/>
               <a:pPr/>
-              <a:t>08.07.2020</a:t>
+              <a:t>13.07.2020</a:t>
             </a:fld>
             <a:endParaRPr lang="ru-RU"/>
           </a:p>
@@ -938,7 +940,7 @@
             <a:fld id="{1E6874EE-89FB-4A85-98EA-B41E4DB710D4}" type="datetimeFigureOut">
               <a:rPr lang="ru-RU" smtClean="0"/>
               <a:pPr/>
-              <a:t>08.07.2020</a:t>
+              <a:t>13.07.2020</a:t>
             </a:fld>
             <a:endParaRPr lang="ru-RU"/>
           </a:p>
@@ -1215,7 +1217,7 @@
             <a:fld id="{1E6874EE-89FB-4A85-98EA-B41E4DB710D4}" type="datetimeFigureOut">
               <a:rPr lang="ru-RU" smtClean="0"/>
               <a:pPr/>
-              <a:t>08.07.2020</a:t>
+              <a:t>13.07.2020</a:t>
             </a:fld>
             <a:endParaRPr lang="ru-RU"/>
           </a:p>
@@ -1482,7 +1484,7 @@
             <a:fld id="{1E6874EE-89FB-4A85-98EA-B41E4DB710D4}" type="datetimeFigureOut">
               <a:rPr lang="ru-RU" smtClean="0"/>
               <a:pPr/>
-              <a:t>08.07.2020</a:t>
+              <a:t>13.07.2020</a:t>
             </a:fld>
             <a:endParaRPr lang="ru-RU"/>
           </a:p>
@@ -1896,7 +1898,7 @@
             <a:fld id="{1E6874EE-89FB-4A85-98EA-B41E4DB710D4}" type="datetimeFigureOut">
               <a:rPr lang="ru-RU" smtClean="0"/>
               <a:pPr/>
-              <a:t>08.07.2020</a:t>
+              <a:t>13.07.2020</a:t>
             </a:fld>
             <a:endParaRPr lang="ru-RU"/>
           </a:p>
@@ -2039,7 +2041,7 @@
             <a:fld id="{1E6874EE-89FB-4A85-98EA-B41E4DB710D4}" type="datetimeFigureOut">
               <a:rPr lang="ru-RU" smtClean="0"/>
               <a:pPr/>
-              <a:t>08.07.2020</a:t>
+              <a:t>13.07.2020</a:t>
             </a:fld>
             <a:endParaRPr lang="ru-RU"/>
           </a:p>
@@ -2154,7 +2156,7 @@
             <a:fld id="{1E6874EE-89FB-4A85-98EA-B41E4DB710D4}" type="datetimeFigureOut">
               <a:rPr lang="ru-RU" smtClean="0"/>
               <a:pPr/>
-              <a:t>08.07.2020</a:t>
+              <a:t>13.07.2020</a:t>
             </a:fld>
             <a:endParaRPr lang="ru-RU"/>
           </a:p>
@@ -2467,7 +2469,7 @@
             <a:fld id="{1E6874EE-89FB-4A85-98EA-B41E4DB710D4}" type="datetimeFigureOut">
               <a:rPr lang="ru-RU" smtClean="0"/>
               <a:pPr/>
-              <a:t>08.07.2020</a:t>
+              <a:t>13.07.2020</a:t>
             </a:fld>
             <a:endParaRPr lang="ru-RU"/>
           </a:p>
@@ -2757,7 +2759,7 @@
             <a:fld id="{1E6874EE-89FB-4A85-98EA-B41E4DB710D4}" type="datetimeFigureOut">
               <a:rPr lang="ru-RU" smtClean="0"/>
               <a:pPr/>
-              <a:t>08.07.2020</a:t>
+              <a:t>13.07.2020</a:t>
             </a:fld>
             <a:endParaRPr lang="ru-RU"/>
           </a:p>
@@ -3009,7 +3011,7 @@
             <a:fld id="{1E6874EE-89FB-4A85-98EA-B41E4DB710D4}" type="datetimeFigureOut">
               <a:rPr lang="ru-RU" smtClean="0"/>
               <a:pPr/>
-              <a:t>08.07.2020</a:t>
+              <a:t>13.07.2020</a:t>
             </a:fld>
             <a:endParaRPr lang="ru-RU"/>
           </a:p>
@@ -3494,14 +3496,11 @@
           <a:p>
             <a:pPr algn="ctr"/>
             <a:r>
-              <a:rPr lang="ru-RU" sz="9600" dirty="0" smtClean="0">
+              <a:rPr lang="ru-RU" sz="9600" dirty="0">
                 <a:latin typeface="Franklin Gothic Demi Cond" panose="020B0706030402020204" pitchFamily="34" charset="0"/>
               </a:rPr>
               <a:t>Курсовая работа</a:t>
             </a:r>
-            <a:endParaRPr lang="ru-RU" sz="9600" dirty="0">
-              <a:latin typeface="Franklin Gothic Demi Cond" panose="020B0706030402020204" pitchFamily="34" charset="0"/>
-            </a:endParaRPr>
           </a:p>
         </p:txBody>
       </p:sp>
@@ -3567,17 +3566,8 @@
               <a:rPr lang="ru-RU" sz="3600" dirty="0">
                 <a:latin typeface="Franklin Gothic Demi Cond" panose="020B0706030402020204" pitchFamily="34" charset="0"/>
               </a:rPr>
-              <a:t> </a:t>
-            </a:r>
-            <a:r>
-              <a:rPr lang="ru-RU" sz="3600" dirty="0" smtClean="0">
-                <a:latin typeface="Franklin Gothic Demi Cond" panose="020B0706030402020204" pitchFamily="34" charset="0"/>
-              </a:rPr>
-              <a:t>Павел «ЛИТ» 1533</a:t>
-            </a:r>
-            <a:endParaRPr lang="ru-RU" sz="3600" dirty="0">
-              <a:latin typeface="Franklin Gothic Demi Cond" panose="020B0706030402020204" pitchFamily="34" charset="0"/>
-            </a:endParaRPr>
+              <a:t> Павел «ЛИТ» 1533</a:t>
+            </a:r>
           </a:p>
         </p:txBody>
       </p:sp>
@@ -3586,13 +3576,248 @@
   <p:clrMapOvr>
     <a:masterClrMapping/>
   </p:clrMapOvr>
-  <p:timing>
-    <p:tnLst>
-      <p:par>
-        <p:cTn id="1" dur="indefinite" restart="never" nodeType="tmRoot"/>
-      </p:par>
-    </p:tnLst>
-  </p:timing>
+</p:sld>
+</file>
+
+<file path=ppt/slides/slide10.xml><?xml version="1.0" encoding="utf-8"?>
+<p:sld xmlns:a="http://schemas.openxmlformats.org/drawingml/2006/main" xmlns:r="http://schemas.openxmlformats.org/officeDocument/2006/relationships" xmlns:p="http://schemas.openxmlformats.org/presentationml/2006/main">
+  <p:cSld>
+    <p:bg>
+      <p:bgPr>
+        <a:blipFill dpi="0" rotWithShape="1">
+          <a:blip r:embed="rId2" cstate="print">
+            <a:lum/>
+          </a:blip>
+          <a:srcRect/>
+          <a:stretch>
+            <a:fillRect t="-6000" b="-6000"/>
+          </a:stretch>
+        </a:blipFill>
+        <a:effectLst/>
+      </p:bgPr>
+    </p:bg>
+    <p:spTree>
+      <p:nvGrpSpPr>
+        <p:cNvPr id="1" name=""/>
+        <p:cNvGrpSpPr/>
+        <p:nvPr/>
+      </p:nvGrpSpPr>
+      <p:grpSpPr>
+        <a:xfrm>
+          <a:off x="0" y="0"/>
+          <a:ext cx="0" cy="0"/>
+          <a:chOff x="0" y="0"/>
+          <a:chExt cx="0" cy="0"/>
+        </a:xfrm>
+      </p:grpSpPr>
+      <p:sp>
+        <p:nvSpPr>
+          <p:cNvPr id="4" name="Прямоугольник 3">
+            <a:extLst>
+              <a:ext uri="{FF2B5EF4-FFF2-40B4-BE49-F238E27FC236}">
+                <a16:creationId xmlns:a16="http://schemas.microsoft.com/office/drawing/2014/main" id="{B6475DAE-F2A5-42CF-8200-04B78E1E6AC3}"/>
+              </a:ext>
+            </a:extLst>
+          </p:cNvPr>
+          <p:cNvSpPr/>
+          <p:nvPr/>
+        </p:nvSpPr>
+        <p:spPr>
+          <a:xfrm>
+            <a:off x="3822700" y="365125"/>
+            <a:ext cx="4546600" cy="1308100"/>
+          </a:xfrm>
+          <a:prstGeom prst="rect">
+            <a:avLst/>
+          </a:prstGeom>
+          <a:solidFill>
+            <a:schemeClr val="tx1">
+              <a:alpha val="70000"/>
+            </a:schemeClr>
+          </a:solidFill>
+          <a:ln>
+            <a:solidFill>
+              <a:schemeClr val="tx1"/>
+            </a:solidFill>
+          </a:ln>
+        </p:spPr>
+        <p:style>
+          <a:lnRef idx="2">
+            <a:schemeClr val="accent1">
+              <a:shade val="50000"/>
+            </a:schemeClr>
+          </a:lnRef>
+          <a:fillRef idx="1">
+            <a:schemeClr val="accent1"/>
+          </a:fillRef>
+          <a:effectRef idx="0">
+            <a:schemeClr val="accent1"/>
+          </a:effectRef>
+          <a:fontRef idx="minor">
+            <a:schemeClr val="lt1"/>
+          </a:fontRef>
+        </p:style>
+        <p:txBody>
+          <a:bodyPr rtlCol="0" anchor="ctr"/>
+          <a:lstStyle/>
+          <a:p>
+            <a:pPr algn="ctr"/>
+            <a:r>
+              <a:rPr lang="ru-RU" sz="3200" dirty="0">
+                <a:latin typeface="Franklin Gothic Demi Cond" panose="020B0706030402020204" pitchFamily="34" charset="0"/>
+              </a:rPr>
+              <a:t>Контакты</a:t>
+            </a:r>
+          </a:p>
+        </p:txBody>
+      </p:sp>
+      <p:sp>
+        <p:nvSpPr>
+          <p:cNvPr id="10" name="Прямоугольник 9">
+            <a:extLst>
+              <a:ext uri="{FF2B5EF4-FFF2-40B4-BE49-F238E27FC236}">
+                <a16:creationId xmlns:a16="http://schemas.microsoft.com/office/drawing/2014/main" id="{BBDA529E-D5B0-4788-99C4-B3F04D265461}"/>
+              </a:ext>
+            </a:extLst>
+          </p:cNvPr>
+          <p:cNvSpPr/>
+          <p:nvPr/>
+        </p:nvSpPr>
+        <p:spPr>
+          <a:xfrm>
+            <a:off x="1194443" y="1825626"/>
+            <a:ext cx="4546600" cy="3634014"/>
+          </a:xfrm>
+          <a:prstGeom prst="rect">
+            <a:avLst/>
+          </a:prstGeom>
+          <a:solidFill>
+            <a:schemeClr val="tx1">
+              <a:alpha val="70000"/>
+            </a:schemeClr>
+          </a:solidFill>
+          <a:ln>
+            <a:solidFill>
+              <a:schemeClr val="tx1"/>
+            </a:solidFill>
+          </a:ln>
+        </p:spPr>
+        <p:style>
+          <a:lnRef idx="2">
+            <a:schemeClr val="accent1">
+              <a:shade val="50000"/>
+            </a:schemeClr>
+          </a:lnRef>
+          <a:fillRef idx="1">
+            <a:schemeClr val="accent1"/>
+          </a:fillRef>
+          <a:effectRef idx="0">
+            <a:schemeClr val="accent1"/>
+          </a:effectRef>
+          <a:fontRef idx="minor">
+            <a:schemeClr val="lt1"/>
+          </a:fontRef>
+        </p:style>
+        <p:txBody>
+          <a:bodyPr rtlCol="0" anchor="ctr"/>
+          <a:lstStyle/>
+          <a:p>
+            <a:r>
+              <a:rPr lang="en-US" dirty="0">
+                <a:solidFill>
+                  <a:schemeClr val="bg1"/>
+                </a:solidFill>
+                <a:latin typeface="Franklin Gothic Book"/>
+              </a:rPr>
+              <a:t>VK: </a:t>
+            </a:r>
+            <a:r>
+              <a:rPr lang="en-US" dirty="0">
+                <a:solidFill>
+                  <a:schemeClr val="bg1"/>
+                </a:solidFill>
+                <a:latin typeface="Franklin Gothic Book"/>
+                <a:hlinkClick r:id="rId3"/>
+              </a:rPr>
+              <a:t>https://vk.com/hazkerindii228</a:t>
+            </a:r>
+            <a:endParaRPr lang="en-US" dirty="0">
+              <a:solidFill>
+                <a:schemeClr val="bg1"/>
+              </a:solidFill>
+              <a:latin typeface="Franklin Gothic Book"/>
+            </a:endParaRPr>
+          </a:p>
+          <a:p>
+            <a:r>
+              <a:rPr lang="en-US" dirty="0">
+                <a:solidFill>
+                  <a:schemeClr val="bg1"/>
+                </a:solidFill>
+                <a:latin typeface="Franklin Gothic Book"/>
+              </a:rPr>
+              <a:t>Telegram: @hazkerindii228</a:t>
+            </a:r>
+          </a:p>
+          <a:p>
+            <a:r>
+              <a:rPr lang="ru-RU" dirty="0">
+                <a:solidFill>
+                  <a:schemeClr val="bg1"/>
+                </a:solidFill>
+                <a:latin typeface="Franklin Gothic Book"/>
+              </a:rPr>
+              <a:t>Почта</a:t>
+            </a:r>
+            <a:r>
+              <a:rPr lang="en-US" dirty="0">
+                <a:solidFill>
+                  <a:schemeClr val="bg1"/>
+                </a:solidFill>
+                <a:latin typeface="Franklin Gothic Book"/>
+              </a:rPr>
+              <a:t>:</a:t>
+            </a:r>
+            <a:r>
+              <a:rPr lang="ru-RU" dirty="0">
+                <a:solidFill>
+                  <a:schemeClr val="bg1"/>
+                </a:solidFill>
+                <a:latin typeface="Franklin Gothic Book"/>
+              </a:rPr>
+              <a:t> </a:t>
+            </a:r>
+            <a:r>
+              <a:rPr lang="en-US" dirty="0">
+                <a:solidFill>
+                  <a:schemeClr val="bg1"/>
+                </a:solidFill>
+                <a:latin typeface="Franklin Gothic Book"/>
+              </a:rPr>
+              <a:t>pashentsev.1@gmail.com</a:t>
+            </a:r>
+            <a:endParaRPr lang="ru-RU" dirty="0">
+              <a:solidFill>
+                <a:schemeClr val="bg1"/>
+              </a:solidFill>
+              <a:latin typeface="Franklin Gothic Book"/>
+            </a:endParaRPr>
+          </a:p>
+        </p:txBody>
+      </p:sp>
+    </p:spTree>
+    <p:extLst>
+      <p:ext uri="{BB962C8B-B14F-4D97-AF65-F5344CB8AC3E}">
+        <p14:creationId xmlns:p14="http://schemas.microsoft.com/office/powerpoint/2010/main" val="2768491839"/>
+      </p:ext>
+    </p:extLst>
+  </p:cSld>
+  <p:clrMapOvr>
+    <a:masterClrMapping/>
+  </p:clrMapOvr>
+  <p:transition spd="slow">
+    <p:cover/>
+  </p:transition>
 </p:sld>
 </file>
 
@@ -3771,40 +3996,40 @@
           <a:lstStyle/>
           <a:p>
             <a:r>
-              <a:rPr lang="ru-RU" dirty="0" smtClean="0">
+              <a:rPr lang="ru-RU" dirty="0">
                 <a:latin typeface="Franklin Gothic Demi Cond" panose="020B0706030402020204" pitchFamily="34" charset="0"/>
                 <a:hlinkClick r:id="rId3" action="ppaction://hlinksldjump"/>
               </a:rPr>
               <a:t>1</a:t>
             </a:r>
             <a:r>
-              <a:rPr lang="en-US" dirty="0" smtClean="0">
+              <a:rPr lang="en-US" dirty="0">
                 <a:latin typeface="Franklin Gothic Demi Cond" panose="020B0706030402020204" pitchFamily="34" charset="0"/>
                 <a:hlinkClick r:id="rId3" action="ppaction://hlinksldjump"/>
               </a:rPr>
               <a:t>.</a:t>
             </a:r>
             <a:r>
-              <a:rPr lang="ru-RU" dirty="0" smtClean="0">
+              <a:rPr lang="ru-RU" dirty="0">
                 <a:latin typeface="Franklin Gothic Demi Cond" panose="020B0706030402020204" pitchFamily="34" charset="0"/>
                 <a:hlinkClick r:id="rId3" action="ppaction://hlinksldjump"/>
               </a:rPr>
               <a:t> Общее описание игры </a:t>
             </a:r>
-            <a:endParaRPr lang="ru-RU" dirty="0" smtClean="0">
+            <a:endParaRPr lang="ru-RU" dirty="0">
               <a:latin typeface="Franklin Gothic Demi Cond" panose="020B0706030402020204" pitchFamily="34" charset="0"/>
             </a:endParaRPr>
           </a:p>
           <a:p>
             <a:r>
-              <a:rPr lang="ru-RU" dirty="0" smtClean="0">
+              <a:rPr lang="ru-RU" dirty="0">
                 <a:latin typeface="Franklin Gothic Demi Cond" panose="020B0706030402020204" pitchFamily="34" charset="0"/>
                 <a:hlinkClick r:id="rId4" action="ppaction://hlinksldjump"/>
               </a:rPr>
               <a:t>2</a:t>
             </a:r>
             <a:r>
-              <a:rPr lang="en-US" dirty="0" smtClean="0">
+              <a:rPr lang="en-US" dirty="0">
                 <a:latin typeface="Franklin Gothic Demi Cond" panose="020B0706030402020204" pitchFamily="34" charset="0"/>
                 <a:hlinkClick r:id="rId4" action="ppaction://hlinksldjump"/>
               </a:rPr>
@@ -3815,29 +4040,22 @@
                 <a:latin typeface="Franklin Gothic Demi Cond" panose="020B0706030402020204" pitchFamily="34" charset="0"/>
                 <a:hlinkClick r:id="rId4" action="ppaction://hlinksldjump"/>
               </a:rPr>
-              <a:t>Описание механик </a:t>
-            </a:r>
-            <a:r>
-              <a:rPr lang="ru-RU" dirty="0" smtClean="0">
-                <a:latin typeface="Franklin Gothic Demi Cond" panose="020B0706030402020204" pitchFamily="34" charset="0"/>
-                <a:hlinkClick r:id="rId4" action="ppaction://hlinksldjump"/>
-              </a:rPr>
-              <a:t>игры</a:t>
-            </a:r>
-            <a:endParaRPr lang="ru-RU" dirty="0" smtClean="0">
+              <a:t>Описание механик игры</a:t>
+            </a:r>
+            <a:endParaRPr lang="ru-RU" dirty="0">
               <a:latin typeface="Franklin Gothic Demi Cond" panose="020B0706030402020204" pitchFamily="34" charset="0"/>
             </a:endParaRPr>
           </a:p>
           <a:p>
             <a:r>
-              <a:rPr lang="ru-RU" dirty="0" smtClean="0">
+              <a:rPr lang="ru-RU" dirty="0">
                 <a:latin typeface="Franklin Gothic Demi Cond" panose="020B0706030402020204" pitchFamily="34" charset="0"/>
                 <a:hlinkClick r:id="rId5" action="ppaction://hlinksldjump"/>
               </a:rPr>
               <a:t>3</a:t>
             </a:r>
             <a:r>
-              <a:rPr lang="en-US" dirty="0" smtClean="0">
+              <a:rPr lang="en-US" dirty="0">
                 <a:latin typeface="Franklin Gothic Demi Cond" panose="020B0706030402020204" pitchFamily="34" charset="0"/>
                 <a:hlinkClick r:id="rId5" action="ppaction://hlinksldjump"/>
               </a:rPr>
@@ -3851,26 +4069,26 @@
               <a:t> Визуальные </a:t>
             </a:r>
             <a:r>
-              <a:rPr lang="ru-RU" dirty="0" err="1" smtClean="0">
+              <a:rPr lang="ru-RU" dirty="0" err="1">
                 <a:latin typeface="Franklin Gothic Demi Cond" panose="020B0706030402020204" pitchFamily="34" charset="0"/>
                 <a:hlinkClick r:id="rId5" action="ppaction://hlinksldjump"/>
               </a:rPr>
               <a:t>референсы</a:t>
             </a:r>
-            <a:endParaRPr lang="ru-RU" dirty="0" smtClean="0">
+            <a:endParaRPr lang="ru-RU" dirty="0">
               <a:latin typeface="Franklin Gothic Demi Cond" panose="020B0706030402020204" pitchFamily="34" charset="0"/>
             </a:endParaRPr>
           </a:p>
           <a:p>
             <a:r>
-              <a:rPr lang="ru-RU" dirty="0" smtClean="0">
+              <a:rPr lang="ru-RU" dirty="0">
                 <a:latin typeface="Franklin Gothic Demi Cond" panose="020B0706030402020204" pitchFamily="34" charset="0"/>
                 <a:hlinkClick r:id="rId6" action="ppaction://hlinksldjump"/>
               </a:rPr>
               <a:t>4</a:t>
             </a:r>
             <a:r>
-              <a:rPr lang="en-US" dirty="0" smtClean="0">
+              <a:rPr lang="en-US" dirty="0">
                 <a:latin typeface="Franklin Gothic Demi Cond" panose="020B0706030402020204" pitchFamily="34" charset="0"/>
                 <a:hlinkClick r:id="rId6" action="ppaction://hlinksldjump"/>
               </a:rPr>
@@ -3881,29 +4099,22 @@
                 <a:latin typeface="Franklin Gothic Demi Cond" panose="020B0706030402020204" pitchFamily="34" charset="0"/>
                 <a:hlinkClick r:id="rId6" action="ppaction://hlinksldjump"/>
               </a:rPr>
-              <a:t> Примеры других </a:t>
-            </a:r>
-            <a:r>
-              <a:rPr lang="ru-RU" dirty="0" smtClean="0">
-                <a:latin typeface="Franklin Gothic Demi Cond" panose="020B0706030402020204" pitchFamily="34" charset="0"/>
-                <a:hlinkClick r:id="rId6" action="ppaction://hlinksldjump"/>
-              </a:rPr>
-              <a:t>игр</a:t>
-            </a:r>
-            <a:endParaRPr lang="ru-RU" dirty="0" smtClean="0">
+              <a:t> Примеры других игр</a:t>
+            </a:r>
+            <a:endParaRPr lang="ru-RU" dirty="0">
               <a:latin typeface="Franklin Gothic Demi Cond" panose="020B0706030402020204" pitchFamily="34" charset="0"/>
             </a:endParaRPr>
           </a:p>
           <a:p>
             <a:r>
-              <a:rPr lang="ru-RU" dirty="0" smtClean="0">
+              <a:rPr lang="ru-RU" dirty="0">
                 <a:latin typeface="Franklin Gothic Demi Cond" panose="020B0706030402020204" pitchFamily="34" charset="0"/>
                 <a:hlinkClick r:id="rId7" action="ppaction://hlinksldjump"/>
               </a:rPr>
               <a:t>5</a:t>
             </a:r>
             <a:r>
-              <a:rPr lang="en-US" dirty="0" smtClean="0">
+              <a:rPr lang="en-US" dirty="0">
                 <a:latin typeface="Franklin Gothic Demi Cond" panose="020B0706030402020204" pitchFamily="34" charset="0"/>
                 <a:hlinkClick r:id="rId7" action="ppaction://hlinksldjump"/>
               </a:rPr>
@@ -3914,16 +4125,9 @@
                 <a:latin typeface="Franklin Gothic Demi Cond" panose="020B0706030402020204" pitchFamily="34" charset="0"/>
                 <a:hlinkClick r:id="rId7" action="ppaction://hlinksldjump"/>
               </a:rPr>
-              <a:t>  Преимущества </a:t>
-            </a:r>
-            <a:r>
-              <a:rPr lang="ru-RU" dirty="0" smtClean="0">
-                <a:latin typeface="Franklin Gothic Demi Cond" panose="020B0706030402020204" pitchFamily="34" charset="0"/>
-                <a:hlinkClick r:id="rId7" action="ppaction://hlinksldjump"/>
-              </a:rPr>
-              <a:t>игры</a:t>
-            </a:r>
-            <a:endParaRPr lang="ru-RU" dirty="0" smtClean="0">
+              <a:t>  Преимущества игры</a:t>
+            </a:r>
+            <a:endParaRPr lang="ru-RU" dirty="0">
               <a:latin typeface="Franklin Gothic Demi Cond" panose="020B0706030402020204" pitchFamily="34" charset="0"/>
             </a:endParaRPr>
           </a:p>
@@ -3942,13 +4146,6 @@
   <p:transition spd="slow">
     <p:cover/>
   </p:transition>
-  <p:timing>
-    <p:tnLst>
-      <p:par>
-        <p:cTn id="1" dur="indefinite" restart="never" nodeType="tmRoot"/>
-      </p:par>
-    </p:tnLst>
-  </p:timing>
 </p:sld>
 </file>
 
@@ -4067,14 +4264,11 @@
           <a:p>
             <a:pPr algn="ctr"/>
             <a:r>
-              <a:rPr lang="ru-RU" sz="3200" dirty="0" smtClean="0">
+              <a:rPr lang="ru-RU" sz="3200" dirty="0">
                 <a:latin typeface="Franklin Gothic Demi Cond" panose="020B0706030402020204" pitchFamily="34" charset="0"/>
               </a:rPr>
               <a:t>Общее описание игры</a:t>
             </a:r>
-            <a:endParaRPr lang="ru-RU" sz="3200" dirty="0">
-              <a:latin typeface="Franklin Gothic Demi Cond" panose="020B0706030402020204" pitchFamily="34" charset="0"/>
-            </a:endParaRPr>
           </a:p>
         </p:txBody>
       </p:sp>
@@ -4130,14 +4324,11 @@
           <a:lstStyle/>
           <a:p>
             <a:r>
-              <a:rPr lang="ru-RU" dirty="0" smtClean="0">
+              <a:rPr lang="ru-RU" dirty="0">
                 <a:latin typeface="Franklin Gothic Book" panose="020B0503020102020204" pitchFamily="34" charset="0"/>
               </a:rPr>
               <a:t>Часто при выключении электричества холодильники начинают размораживаться. При размораживании продукты начинают быстро портиться, что приводит к выбросу продуктов.</a:t>
             </a:r>
-            <a:endParaRPr lang="ru-RU" dirty="0">
-              <a:latin typeface="Franklin Gothic Book" panose="020B0503020102020204" pitchFamily="34" charset="0"/>
-            </a:endParaRPr>
           </a:p>
         </p:txBody>
       </p:sp>
@@ -4230,13 +4421,6 @@
   <p:transition spd="slow">
     <p:cover/>
   </p:transition>
-  <p:timing>
-    <p:tnLst>
-      <p:par>
-        <p:cTn id="1" dur="indefinite" restart="never" nodeType="tmRoot"/>
-      </p:par>
-    </p:tnLst>
-  </p:timing>
 </p:sld>
 </file>
 
@@ -4310,14 +4494,11 @@
           <a:p>
             <a:pPr algn="ctr"/>
             <a:r>
-              <a:rPr lang="ru-RU" sz="3200" dirty="0" smtClean="0">
+              <a:rPr lang="ru-RU" sz="3200" dirty="0">
                 <a:latin typeface="Franklin Gothic Demi Cond" panose="020B0706030402020204" pitchFamily="34" charset="0"/>
               </a:rPr>
               <a:t>Описание механик игры</a:t>
             </a:r>
-            <a:endParaRPr lang="ru-RU" sz="3200" dirty="0">
-              <a:latin typeface="Franklin Gothic Demi Cond" panose="020B0706030402020204" pitchFamily="34" charset="0"/>
-            </a:endParaRPr>
           </a:p>
         </p:txBody>
       </p:sp>
@@ -4433,13 +4614,13 @@
               <a:buAutoNum type="arabicPeriod"/>
             </a:pPr>
             <a:r>
-              <a:rPr lang="ru-RU" dirty="0" err="1" smtClean="0">
+              <a:rPr lang="en-US" dirty="0">
                 <a:latin typeface="Franklin Gothic Book" panose="020B0503020102020204" pitchFamily="34" charset="0"/>
               </a:rPr>
-              <a:t>Тайминг</a:t>
-            </a:r>
-            <a:r>
-              <a:rPr lang="ru-RU" dirty="0" smtClean="0">
+              <a:t>“Timing”</a:t>
+            </a:r>
+            <a:r>
+              <a:rPr lang="ru-RU" dirty="0">
                 <a:latin typeface="Franklin Gothic Book" panose="020B0503020102020204" pitchFamily="34" charset="0"/>
               </a:rPr>
               <a:t> механика</a:t>
@@ -4451,10 +4632,22 @@
               <a:buAutoNum type="arabicPeriod"/>
             </a:pPr>
             <a:r>
-              <a:rPr lang="ru-RU" dirty="0" smtClean="0">
+              <a:rPr lang="en-US" dirty="0">
                 <a:latin typeface="Franklin Gothic Book" panose="020B0503020102020204" pitchFamily="34" charset="0"/>
               </a:rPr>
-              <a:t>Механика выбрасывание мусора</a:t>
+              <a:t>“Tiding ” (</a:t>
+            </a:r>
+            <a:r>
+              <a:rPr lang="ru-RU" dirty="0">
+                <a:latin typeface="Franklin Gothic Book" panose="020B0503020102020204" pitchFamily="34" charset="0"/>
+              </a:rPr>
+              <a:t>выбрасывание мусора</a:t>
+            </a:r>
+            <a:r>
+              <a:rPr lang="en-US" dirty="0">
+                <a:latin typeface="Franklin Gothic Book" panose="020B0503020102020204" pitchFamily="34" charset="0"/>
+              </a:rPr>
+              <a:t>)</a:t>
             </a:r>
           </a:p>
           <a:p>
@@ -4463,11 +4656,10 @@
               <a:buAutoNum type="arabicPeriod"/>
             </a:pPr>
             <a:r>
-              <a:rPr lang="ru-RU" dirty="0" smtClean="0">
-                <a:latin typeface="Franklin Gothic Book" panose="020B0503020102020204" pitchFamily="34" charset="0"/>
-              </a:rPr>
+              <a:rPr lang="ru-RU" dirty="0"/>
               <a:t>Механика внутреннего магазина</a:t>
             </a:r>
+            <a:endParaRPr lang="en-US" dirty="0"/>
           </a:p>
           <a:p>
             <a:pPr marL="342900" indent="-342900">
@@ -4475,20 +4667,14 @@
               <a:buAutoNum type="arabicPeriod"/>
             </a:pPr>
             <a:r>
-              <a:rPr lang="ru-RU" dirty="0" smtClean="0">
-                <a:latin typeface="Franklin Gothic Book" panose="020B0503020102020204" pitchFamily="34" charset="0"/>
-              </a:rPr>
+              <a:rPr lang="ru-RU" dirty="0"/>
               <a:t>Механика </a:t>
             </a:r>
             <a:r>
-              <a:rPr lang="ru-RU" dirty="0" err="1" smtClean="0">
-                <a:latin typeface="Franklin Gothic Book" panose="020B0503020102020204" pitchFamily="34" charset="0"/>
-              </a:rPr>
+              <a:rPr lang="ru-RU" dirty="0" err="1"/>
               <a:t>челледжей</a:t>
             </a:r>
-            <a:endParaRPr lang="ru-RU" dirty="0" smtClean="0">
-              <a:latin typeface="Franklin Gothic Book" panose="020B0503020102020204" pitchFamily="34" charset="0"/>
-            </a:endParaRPr>
+            <a:endParaRPr lang="en-US" dirty="0"/>
           </a:p>
           <a:p>
             <a:pPr marL="342900" indent="-342900">
@@ -4496,14 +4682,21 @@
               <a:buAutoNum type="arabicPeriod"/>
             </a:pPr>
             <a:r>
-              <a:rPr lang="ru-RU" dirty="0" smtClean="0">
+              <a:rPr lang="ru-RU" dirty="0"/>
+              <a:t>Механика уровней</a:t>
+            </a:r>
+          </a:p>
+          <a:p>
+            <a:pPr marL="342900" indent="-342900">
+              <a:buFont typeface="+mj-lt"/>
+              <a:buAutoNum type="arabicPeriod"/>
+            </a:pPr>
+            <a:r>
+              <a:rPr lang="ru-RU" dirty="0">
                 <a:latin typeface="Franklin Gothic Book" panose="020B0503020102020204" pitchFamily="34" charset="0"/>
               </a:rPr>
-              <a:t>Механика уровней</a:t>
-            </a:r>
-            <a:endParaRPr lang="ru-RU" dirty="0">
-              <a:latin typeface="Franklin Gothic Book" panose="020B0503020102020204" pitchFamily="34" charset="0"/>
-            </a:endParaRPr>
+              <a:t>Механика «аркадного» режима</a:t>
+            </a:r>
           </a:p>
         </p:txBody>
       </p:sp>
@@ -4613,13 +4806,6 @@
   <p:transition spd="slow">
     <p:cover/>
   </p:transition>
-  <p:timing>
-    <p:tnLst>
-      <p:par>
-        <p:cTn id="1" dur="indefinite" restart="never" nodeType="tmRoot"/>
-      </p:par>
-    </p:tnLst>
-  </p:timing>
 </p:sld>
 </file>
 
@@ -4693,13 +4879,13 @@
           <a:p>
             <a:pPr algn="ctr"/>
             <a:r>
-              <a:rPr lang="ru-RU" sz="3200" dirty="0" smtClean="0">
+              <a:rPr lang="ru-RU" sz="3200" dirty="0">
                 <a:latin typeface="Franklin Gothic Demi Cond" panose="020B0706030402020204" pitchFamily="34" charset="0"/>
               </a:rPr>
               <a:t>Визуальные </a:t>
             </a:r>
             <a:r>
-              <a:rPr lang="ru-RU" sz="3200" dirty="0" err="1" smtClean="0">
+              <a:rPr lang="ru-RU" sz="3200" dirty="0" err="1">
                 <a:latin typeface="Franklin Gothic Demi Cond" panose="020B0706030402020204" pitchFamily="34" charset="0"/>
               </a:rPr>
               <a:t>референсы</a:t>
@@ -4780,8 +4966,8 @@
         </p:nvSpPr>
         <p:spPr>
           <a:xfrm>
-            <a:off x="1194443" y="1825625"/>
-            <a:ext cx="4546600" cy="3634015"/>
+            <a:off x="1194443" y="5012981"/>
+            <a:ext cx="4546600" cy="446659"/>
           </a:xfrm>
           <a:prstGeom prst="rect">
             <a:avLst/>
@@ -4817,9 +5003,13 @@
           <a:bodyPr rtlCol="0" anchor="ctr"/>
           <a:lstStyle/>
           <a:p>
-            <a:endParaRPr lang="ru-RU" dirty="0">
-              <a:latin typeface="Franklin Gothic Book" panose="020B0503020102020204" pitchFamily="34" charset="0"/>
-            </a:endParaRPr>
+            <a:pPr algn="ctr"/>
+            <a:r>
+              <a:rPr lang="ru-RU" dirty="0">
+                <a:latin typeface="Franklin Gothic Book" panose="020B0503020102020204" pitchFamily="34" charset="0"/>
+              </a:rPr>
+              <a:t>Пример окружения холодильника</a:t>
+            </a:r>
           </a:p>
         </p:txBody>
       </p:sp>
@@ -4869,6 +5059,139 @@
               </a14:hiddenFill>
             </a:ext>
           </a:extLst>
+        </p:spPr>
+      </p:pic>
+      <p:pic>
+        <p:nvPicPr>
+          <p:cNvPr id="3" name="Рисунок 2">
+            <a:extLst>
+              <a:ext uri="{FF2B5EF4-FFF2-40B4-BE49-F238E27FC236}">
+                <a16:creationId xmlns:a16="http://schemas.microsoft.com/office/drawing/2014/main" id="{FCCC67B2-ED90-4F12-8599-2A05C0CADF6B}"/>
+              </a:ext>
+            </a:extLst>
+          </p:cNvPr>
+          <p:cNvPicPr>
+            <a:picLocks noChangeAspect="1"/>
+          </p:cNvPicPr>
+          <p:nvPr/>
+        </p:nvPicPr>
+        <p:blipFill>
+          <a:blip r:embed="rId8">
+            <a:extLst>
+              <a:ext uri="{28A0092B-C50C-407E-A947-70E740481C1C}">
+                <a14:useLocalDpi xmlns:a14="http://schemas.microsoft.com/office/drawing/2010/main" val="0"/>
+              </a:ext>
+            </a:extLst>
+          </a:blip>
+          <a:stretch>
+            <a:fillRect/>
+          </a:stretch>
+        </p:blipFill>
+        <p:spPr>
+          <a:xfrm>
+            <a:off x="1194443" y="1825625"/>
+            <a:ext cx="4546600" cy="3187356"/>
+          </a:xfrm>
+          <a:prstGeom prst="rect">
+            <a:avLst/>
+          </a:prstGeom>
+        </p:spPr>
+      </p:pic>
+      <p:sp>
+        <p:nvSpPr>
+          <p:cNvPr id="10" name="Прямоугольник 9">
+            <a:extLst>
+              <a:ext uri="{FF2B5EF4-FFF2-40B4-BE49-F238E27FC236}">
+                <a16:creationId xmlns:a16="http://schemas.microsoft.com/office/drawing/2014/main" id="{14CED895-756C-46AE-A8B6-DF210B77AC50}"/>
+              </a:ext>
+            </a:extLst>
+          </p:cNvPr>
+          <p:cNvSpPr/>
+          <p:nvPr/>
+        </p:nvSpPr>
+        <p:spPr>
+          <a:xfrm>
+            <a:off x="6450957" y="5012980"/>
+            <a:ext cx="4546600" cy="446659"/>
+          </a:xfrm>
+          <a:prstGeom prst="rect">
+            <a:avLst/>
+          </a:prstGeom>
+          <a:solidFill>
+            <a:schemeClr val="tx1">
+              <a:alpha val="70000"/>
+            </a:schemeClr>
+          </a:solidFill>
+          <a:ln>
+            <a:solidFill>
+              <a:schemeClr val="tx1"/>
+            </a:solidFill>
+          </a:ln>
+        </p:spPr>
+        <p:style>
+          <a:lnRef idx="2">
+            <a:schemeClr val="accent1">
+              <a:shade val="50000"/>
+            </a:schemeClr>
+          </a:lnRef>
+          <a:fillRef idx="1">
+            <a:schemeClr val="accent1"/>
+          </a:fillRef>
+          <a:effectRef idx="0">
+            <a:schemeClr val="accent1"/>
+          </a:effectRef>
+          <a:fontRef idx="minor">
+            <a:schemeClr val="lt1"/>
+          </a:fontRef>
+        </p:style>
+        <p:txBody>
+          <a:bodyPr rtlCol="0" anchor="ctr"/>
+          <a:lstStyle/>
+          <a:p>
+            <a:pPr algn="ctr"/>
+            <a:r>
+              <a:rPr lang="ru-RU" dirty="0">
+                <a:latin typeface="Franklin Gothic Book" panose="020B0503020102020204" pitchFamily="34" charset="0"/>
+              </a:rPr>
+              <a:t>Пример заполненного холодильника</a:t>
+            </a:r>
+          </a:p>
+        </p:txBody>
+      </p:sp>
+      <p:pic>
+        <p:nvPicPr>
+          <p:cNvPr id="15" name="Рисунок 14">
+            <a:extLst>
+              <a:ext uri="{FF2B5EF4-FFF2-40B4-BE49-F238E27FC236}">
+                <a16:creationId xmlns:a16="http://schemas.microsoft.com/office/drawing/2014/main" id="{5C85AE89-6DC3-44AC-B957-B79950DF74E7}"/>
+              </a:ext>
+            </a:extLst>
+          </p:cNvPr>
+          <p:cNvPicPr>
+            <a:picLocks noChangeAspect="1"/>
+          </p:cNvPicPr>
+          <p:nvPr/>
+        </p:nvPicPr>
+        <p:blipFill>
+          <a:blip r:embed="rId9">
+            <a:extLst>
+              <a:ext uri="{28A0092B-C50C-407E-A947-70E740481C1C}">
+                <a14:useLocalDpi xmlns:a14="http://schemas.microsoft.com/office/drawing/2010/main" val="0"/>
+              </a:ext>
+            </a:extLst>
+          </a:blip>
+          <a:stretch>
+            <a:fillRect/>
+          </a:stretch>
+        </p:blipFill>
+        <p:spPr>
+          <a:xfrm>
+            <a:off x="7123407" y="1825624"/>
+            <a:ext cx="2727888" cy="3187355"/>
+          </a:xfrm>
+          <a:prstGeom prst="rect">
+            <a:avLst/>
+          </a:prstGeom>
         </p:spPr>
       </p:pic>
     </p:spTree>
@@ -4884,13 +5207,6 @@
   <p:transition spd="slow">
     <p:cover/>
   </p:transition>
-  <p:timing>
-    <p:tnLst>
-      <p:par>
-        <p:cTn id="1" dur="indefinite" restart="never" nodeType="tmRoot"/>
-      </p:par>
-    </p:tnLst>
-  </p:timing>
 </p:sld>
 </file>
 
@@ -4969,9 +5285,6 @@
               </a:rPr>
               <a:t>Примеры других игр</a:t>
             </a:r>
-            <a:endParaRPr lang="ru-RU" sz="3200" dirty="0">
-              <a:latin typeface="Franklin Gothic Demi Cond" panose="020B0706030402020204" pitchFamily="34" charset="0"/>
-            </a:endParaRPr>
           </a:p>
         </p:txBody>
       </p:sp>
@@ -5155,13 +5468,7 @@
               <a:rPr lang="ru-RU" dirty="0">
                 <a:latin typeface="Franklin Gothic Book"/>
               </a:rPr>
-              <a:t>Мой </a:t>
-            </a:r>
-            <a:r>
-              <a:rPr lang="ru-RU" dirty="0" smtClean="0">
-                <a:latin typeface="Franklin Gothic Book"/>
-              </a:rPr>
-              <a:t>Холодильник:</a:t>
+              <a:t>Мой Холодильник:</a:t>
             </a:r>
           </a:p>
           <a:p>
@@ -5170,7 +5477,7 @@
               <a:buAutoNum type="arabicPeriod"/>
             </a:pPr>
             <a:r>
-              <a:rPr lang="ru-RU" dirty="0" smtClean="0">
+              <a:rPr lang="ru-RU" dirty="0">
                 <a:latin typeface="Franklin Gothic Book"/>
               </a:rPr>
               <a:t>Не игра</a:t>
@@ -5182,7 +5489,7 @@
               <a:buAutoNum type="arabicPeriod"/>
             </a:pPr>
             <a:r>
-              <a:rPr lang="ru-RU" dirty="0" smtClean="0">
+              <a:rPr lang="ru-RU" dirty="0">
                 <a:latin typeface="Franklin Gothic Book"/>
               </a:rPr>
               <a:t>Про холодильник</a:t>
@@ -5309,6 +5616,42 @@
           <a:xfrm>
             <a:off x="6450956" y="1825625"/>
             <a:ext cx="2080523" cy="3463529"/>
+          </a:xfrm>
+          <a:prstGeom prst="rect">
+            <a:avLst/>
+          </a:prstGeom>
+        </p:spPr>
+      </p:pic>
+      <p:pic>
+        <p:nvPicPr>
+          <p:cNvPr id="5" name="Рисунок 4">
+            <a:extLst>
+              <a:ext uri="{FF2B5EF4-FFF2-40B4-BE49-F238E27FC236}">
+                <a16:creationId xmlns:a16="http://schemas.microsoft.com/office/drawing/2014/main" id="{874F93C9-7C56-4C2A-8BC9-F46B33D905D9}"/>
+              </a:ext>
+            </a:extLst>
+          </p:cNvPr>
+          <p:cNvPicPr>
+            <a:picLocks noChangeAspect="1"/>
+          </p:cNvPicPr>
+          <p:nvPr/>
+        </p:nvPicPr>
+        <p:blipFill>
+          <a:blip r:embed="rId11">
+            <a:extLst>
+              <a:ext uri="{28A0092B-C50C-407E-A947-70E740481C1C}">
+                <a14:useLocalDpi xmlns:a14="http://schemas.microsoft.com/office/drawing/2010/main" val="0"/>
+              </a:ext>
+            </a:extLst>
+          </a:blip>
+          <a:stretch>
+            <a:fillRect/>
+          </a:stretch>
+        </p:blipFill>
+        <p:spPr>
+          <a:xfrm>
+            <a:off x="8677736" y="1825625"/>
+            <a:ext cx="2079186" cy="3463529"/>
           </a:xfrm>
           <a:prstGeom prst="rect">
             <a:avLst/>
@@ -5328,13 +5671,6 @@
   <p:transition spd="slow">
     <p:cover/>
   </p:transition>
-  <p:timing>
-    <p:tnLst>
-      <p:par>
-        <p:cTn id="1" dur="indefinite" restart="never" nodeType="tmRoot"/>
-      </p:par>
-    </p:tnLst>
-  </p:timing>
 </p:sld>
 </file>
 
@@ -5413,9 +5749,6 @@
               </a:rPr>
               <a:t>Примеры других игр</a:t>
             </a:r>
-            <a:endParaRPr lang="ru-RU" sz="3200" dirty="0">
-              <a:latin typeface="Franklin Gothic Demi Cond" panose="020B0706030402020204" pitchFamily="34" charset="0"/>
-            </a:endParaRPr>
           </a:p>
         </p:txBody>
       </p:sp>
@@ -5538,16 +5871,10 @@
               <a:rPr lang="en-US" dirty="0">
                 <a:latin typeface="Franklin Gothic Book"/>
               </a:rPr>
-              <a:t>Fruit </a:t>
-            </a:r>
-            <a:r>
-              <a:rPr lang="en-US" dirty="0" smtClean="0">
-                <a:latin typeface="Franklin Gothic Book"/>
-              </a:rPr>
-              <a:t>Ninja</a:t>
-            </a:r>
-            <a:r>
-              <a:rPr lang="ru-RU" dirty="0" smtClean="0">
+              <a:t>Fruit Ninja</a:t>
+            </a:r>
+            <a:r>
+              <a:rPr lang="ru-RU" dirty="0">
                 <a:latin typeface="Franklin Gothic Book"/>
               </a:rPr>
               <a:t>:</a:t>
@@ -5565,16 +5892,10 @@
               <a:buAutoNum type="arabicPeriod"/>
             </a:pPr>
             <a:r>
-              <a:rPr lang="ru-RU" dirty="0" smtClean="0">
+              <a:rPr lang="ru-RU" dirty="0">
                 <a:latin typeface="Franklin Gothic Book"/>
               </a:rPr>
               <a:t>Уничтожение</a:t>
-            </a:r>
-            <a:r>
-              <a:rPr lang="ru-RU" dirty="0">
-                <a:latin typeface="Franklin Gothic Book"/>
-              </a:rPr>
-              <a:t/>
             </a:r>
             <a:br>
               <a:rPr lang="ru-RU" dirty="0">
@@ -5582,7 +5903,7 @@
               </a:rPr>
             </a:br>
             <a:r>
-              <a:rPr lang="ru-RU" dirty="0" smtClean="0">
+              <a:rPr lang="ru-RU" dirty="0">
                 <a:latin typeface="Franklin Gothic Book"/>
               </a:rPr>
               <a:t>продуктов</a:t>
@@ -5600,12 +5921,12 @@
               <a:buAutoNum type="arabicPeriod"/>
             </a:pPr>
             <a:r>
-              <a:rPr lang="ru-RU" dirty="0" err="1" smtClean="0">
+              <a:rPr lang="ru-RU" dirty="0" err="1">
                 <a:latin typeface="Franklin Gothic Book"/>
               </a:rPr>
               <a:t>Свайпы</a:t>
             </a:r>
-            <a:endParaRPr lang="ru-RU" dirty="0" smtClean="0">
+            <a:endParaRPr lang="ru-RU" dirty="0">
               <a:latin typeface="Franklin Gothic Book"/>
             </a:endParaRPr>
           </a:p>
@@ -5621,7 +5942,7 @@
               <a:buAutoNum type="arabicPeriod"/>
             </a:pPr>
             <a:r>
-              <a:rPr lang="ru-RU" dirty="0" smtClean="0">
+              <a:rPr lang="ru-RU" dirty="0">
                 <a:latin typeface="Franklin Gothic Book"/>
               </a:rPr>
               <a:t>Нет холодильника</a:t>
@@ -5636,7 +5957,7 @@
                 <a:spcPts val="800"/>
               </a:spcAft>
             </a:pPr>
-            <a:endParaRPr lang="en-US" dirty="0" smtClean="0">
+            <a:endParaRPr lang="en-US" dirty="0">
               <a:latin typeface="Franklin Gothic Book"/>
               <a:hlinkClick r:id="rId6"/>
             </a:endParaRPr>
@@ -5651,7 +5972,7 @@
               </a:spcAft>
             </a:pPr>
             <a:r>
-              <a:rPr lang="en-US" dirty="0" smtClean="0">
+              <a:rPr lang="en-US" dirty="0">
                 <a:latin typeface="Franklin Gothic Book"/>
                 <a:hlinkClick r:id="rId6"/>
               </a:rPr>
@@ -5786,13 +6107,6 @@
   <p:transition spd="slow">
     <p:cover/>
   </p:transition>
-  <p:timing>
-    <p:tnLst>
-      <p:par>
-        <p:cTn id="1" dur="indefinite" restart="never" nodeType="tmRoot"/>
-      </p:par>
-    </p:tnLst>
-  </p:timing>
 </p:sld>
 </file>
 
@@ -5871,9 +6185,6 @@
               </a:rPr>
               <a:t>Примеры других игр</a:t>
             </a:r>
-            <a:endParaRPr lang="ru-RU" sz="3200" dirty="0">
-              <a:latin typeface="Franklin Gothic Demi Cond" panose="020B0706030402020204" pitchFamily="34" charset="0"/>
-            </a:endParaRPr>
           </a:p>
         </p:txBody>
       </p:sp>
@@ -6056,14 +6367,10 @@
           <a:p>
             <a:r>
               <a:rPr lang="en-US" dirty="0"/>
-              <a:t>Fridge Repair </a:t>
-            </a:r>
-            <a:r>
-              <a:rPr lang="en-US" dirty="0" smtClean="0"/>
-              <a:t>Shop</a:t>
-            </a:r>
-            <a:r>
-              <a:rPr lang="ru-RU" dirty="0" smtClean="0"/>
+              <a:t>Fridge Repair Shop</a:t>
+            </a:r>
+            <a:r>
+              <a:rPr lang="ru-RU" dirty="0"/>
               <a:t>:</a:t>
             </a:r>
           </a:p>
@@ -6073,14 +6380,14 @@
               <a:buAutoNum type="arabicPeriod"/>
             </a:pPr>
             <a:r>
-              <a:rPr lang="ru-RU" dirty="0" smtClean="0"/>
+              <a:rPr lang="ru-RU" dirty="0"/>
               <a:t>Игра про</a:t>
             </a:r>
             <a:br>
-              <a:rPr lang="ru-RU" dirty="0" smtClean="0"/>
+              <a:rPr lang="ru-RU" dirty="0"/>
             </a:br>
             <a:r>
-              <a:rPr lang="ru-RU" dirty="0" smtClean="0"/>
+              <a:rPr lang="ru-RU" dirty="0"/>
               <a:t> холодильник</a:t>
             </a:r>
           </a:p>
@@ -6090,26 +6397,22 @@
               <a:buAutoNum type="arabicPeriod"/>
             </a:pPr>
             <a:r>
-              <a:rPr lang="ru-RU" dirty="0" smtClean="0"/>
+              <a:rPr lang="ru-RU" dirty="0"/>
               <a:t>Использована</a:t>
             </a:r>
             <a:r>
-              <a:rPr lang="en-US" dirty="0" smtClean="0"/>
+              <a:rPr lang="en-US" dirty="0"/>
               <a:t>  </a:t>
             </a:r>
-            <a:r>
-              <a:rPr lang="ru-RU" dirty="0" smtClean="0"/>
-              <a:t/>
-            </a:r>
             <a:br>
-              <a:rPr lang="ru-RU" dirty="0" smtClean="0"/>
+              <a:rPr lang="ru-RU" dirty="0"/>
             </a:br>
             <a:r>
-              <a:rPr lang="en-US" dirty="0" smtClean="0"/>
+              <a:rPr lang="en-US" dirty="0"/>
               <a:t>“tiding”</a:t>
             </a:r>
             <a:r>
-              <a:rPr lang="ru-RU" dirty="0" smtClean="0"/>
+              <a:rPr lang="ru-RU" dirty="0"/>
               <a:t> механика</a:t>
             </a:r>
           </a:p>
@@ -6119,7 +6422,7 @@
               <a:buAutoNum type="arabicPeriod"/>
             </a:pPr>
             <a:r>
-              <a:rPr lang="ru-RU" dirty="0" smtClean="0"/>
+              <a:rPr lang="ru-RU" dirty="0"/>
               <a:t>Не про еду</a:t>
             </a:r>
           </a:p>
@@ -6133,7 +6436,7 @@
               </a:rPr>
               <a:t>https://play.google.com/store/apps/details?id=com.twodfunclub.fridge.repair.shop</a:t>
             </a:r>
-            <a:endParaRPr lang="ru-RU" dirty="0" smtClean="0"/>
+            <a:endParaRPr lang="ru-RU" dirty="0"/>
           </a:p>
         </p:txBody>
       </p:sp>
@@ -6258,13 +6561,6 @@
   <p:transition spd="slow">
     <p:cover/>
   </p:transition>
-  <p:timing>
-    <p:tnLst>
-      <p:par>
-        <p:cTn id="1" dur="indefinite" restart="never" nodeType="tmRoot"/>
-      </p:par>
-    </p:tnLst>
-  </p:timing>
 </p:sld>
 </file>
 
@@ -6355,17 +6651,8 @@
               <a:rPr lang="ru-RU" sz="3200" dirty="0">
                 <a:latin typeface="Franklin Gothic Demi Cond" panose="020B0706030402020204" pitchFamily="34" charset="0"/>
               </a:rPr>
-              <a:t> </a:t>
-            </a:r>
-            <a:r>
-              <a:rPr lang="ru-RU" sz="3200" dirty="0" smtClean="0">
-                <a:latin typeface="Franklin Gothic Demi Cond" panose="020B0706030402020204" pitchFamily="34" charset="0"/>
-              </a:rPr>
-              <a:t>Преимущества игры</a:t>
-            </a:r>
-            <a:endParaRPr lang="ru-RU" sz="3200" dirty="0">
-              <a:latin typeface="Franklin Gothic Demi Cond" panose="020B0706030402020204" pitchFamily="34" charset="0"/>
-            </a:endParaRPr>
+              <a:t> Преимущества игры</a:t>
+            </a:r>
           </a:p>
         </p:txBody>
       </p:sp>
@@ -6528,7 +6815,7 @@
               <a:buAutoNum type="arabicPeriod"/>
             </a:pPr>
             <a:r>
-              <a:rPr lang="ru-RU" dirty="0" smtClean="0">
+              <a:rPr lang="ru-RU" dirty="0">
                 <a:solidFill>
                   <a:schemeClr val="bg1"/>
                 </a:solidFill>
@@ -6536,6 +6823,24 @@
               </a:rPr>
               <a:t>Есть разговаривающий холодильник</a:t>
             </a:r>
+            <a:r>
+              <a:rPr lang="en-US" dirty="0">
+                <a:solidFill>
+                  <a:schemeClr val="bg1"/>
+                </a:solidFill>
+                <a:latin typeface="Franklin Gothic Book"/>
+              </a:rPr>
+              <a:t>-</a:t>
+            </a:r>
+            <a:r>
+              <a:rPr lang="ru-RU" dirty="0">
+                <a:solidFill>
+                  <a:schemeClr val="bg1"/>
+                </a:solidFill>
+                <a:latin typeface="Franklin Gothic Book"/>
+              </a:rPr>
+              <a:t>магазин</a:t>
+            </a:r>
           </a:p>
           <a:p>
             <a:pPr marL="342900" indent="-342900">
@@ -6543,7 +6848,7 @@
               <a:buAutoNum type="arabicPeriod"/>
             </a:pPr>
             <a:r>
-              <a:rPr lang="ru-RU" dirty="0" smtClean="0">
+              <a:rPr lang="ru-RU" dirty="0">
                 <a:solidFill>
                   <a:schemeClr val="bg1"/>
                 </a:solidFill>
@@ -6558,20 +6863,14 @@
               <a:buAutoNum type="arabicPeriod"/>
             </a:pPr>
             <a:r>
-              <a:rPr lang="ru-RU" dirty="0" smtClean="0">
+              <a:rPr lang="ru-RU" dirty="0">
                 <a:solidFill>
                   <a:schemeClr val="bg1"/>
                 </a:solidFill>
                 <a:latin typeface="Franklin Gothic Book"/>
               </a:rPr>
-              <a:t>Можно улучшать кухню</a:t>
-            </a:r>
-            <a:endParaRPr lang="ru-RU" dirty="0">
-              <a:solidFill>
-                <a:schemeClr val="bg1"/>
-              </a:solidFill>
-              <a:latin typeface="Franklin Gothic Book"/>
-            </a:endParaRPr>
+              <a:t>Можно улучшать окружение</a:t>
+            </a:r>
           </a:p>
           <a:p>
             <a:pPr marL="342900" indent="-342900">
@@ -6579,7 +6878,7 @@
               <a:buAutoNum type="arabicPeriod"/>
             </a:pPr>
             <a:r>
-              <a:rPr lang="ru-RU" dirty="0" smtClean="0">
+              <a:rPr lang="ru-RU" dirty="0">
                 <a:solidFill>
                   <a:schemeClr val="bg1"/>
                 </a:solidFill>
@@ -6651,13 +6950,6 @@
   <p:transition spd="slow">
     <p:cover/>
   </p:transition>
-  <p:timing>
-    <p:tnLst>
-      <p:par>
-        <p:cTn id="1" dur="indefinite" restart="never" nodeType="tmRoot"/>
-      </p:par>
-    </p:tnLst>
-  </p:timing>
 </p:sld>
 </file>
 
